--- a/Presentation/second presentation.pptx
+++ b/Presentation/second presentation.pptx
@@ -125,6 +125,22 @@
       </a:defRPr>
     </a:lvl9pPr>
   </p:defaultTextStyle>
+  <p:extLst>
+    <p:ext uri="{EFAFB233-063F-42B5-8137-9DF3F51BA10A}">
+      <p15:sldGuideLst xmlns:p15="http://schemas.microsoft.com/office/powerpoint/2012/main">
+        <p15:guide id="1" orient="horz" pos="2160">
+          <p15:clr>
+            <a:srgbClr val="A4A3A4"/>
+          </p15:clr>
+        </p15:guide>
+        <p15:guide id="2" pos="2880">
+          <p15:clr>
+            <a:srgbClr val="A4A3A4"/>
+          </p15:clr>
+        </p15:guide>
+      </p15:sldGuideLst>
+    </p:ext>
+  </p:extLst>
 </p:presentation>
 </file>
 
@@ -210,7 +226,7 @@
           <a:p>
             <a:fld id="{11F24EEF-7EF9-4256-A680-45C402EBEF80}" type="datetimeFigureOut">
               <a:rPr lang="ru-RU" smtClean="0"/>
-              <a:t>07.04.2016</a:t>
+              <a:t>08.04.2016</a:t>
             </a:fld>
             <a:endParaRPr lang="ru-RU"/>
           </a:p>
@@ -378,6 +394,11 @@
         </p:txBody>
       </p:sp>
     </p:spTree>
+    <p:extLst>
+      <p:ext uri="{BB962C8B-B14F-4D97-AF65-F5344CB8AC3E}">
+        <p14:creationId xmlns:p14="http://schemas.microsoft.com/office/powerpoint/2010/main" val="2873621403"/>
+      </p:ext>
+    </p:extLst>
   </p:cSld>
   <p:clrMap bg1="lt1" tx1="dk1" bg2="lt2" tx2="dk2" accent1="accent1" accent2="accent2" accent3="accent3" accent4="accent4" accent5="accent5" accent6="accent6" hlink="hlink" folHlink="folHlink"/>
   <p:notesStyle>
@@ -549,6 +570,11 @@
         </p:txBody>
       </p:sp>
     </p:spTree>
+    <p:extLst>
+      <p:ext uri="{BB962C8B-B14F-4D97-AF65-F5344CB8AC3E}">
+        <p14:creationId xmlns:p14="http://schemas.microsoft.com/office/powerpoint/2010/main" val="3274707000"/>
+      </p:ext>
+    </p:extLst>
   </p:cSld>
   <p:clrMapOvr>
     <a:masterClrMapping/>
@@ -738,7 +764,7 @@
             <a:fld id="{5B106E36-FD25-4E2D-B0AA-010F637433A0}" type="datetimeFigureOut">
               <a:rPr lang="ru-RU" smtClean="0"/>
               <a:pPr/>
-              <a:t>07.04.2016</a:t>
+              <a:t>08.04.2016</a:t>
             </a:fld>
             <a:endParaRPr lang="ru-RU"/>
           </a:p>
@@ -905,7 +931,7 @@
             <a:fld id="{5B106E36-FD25-4E2D-B0AA-010F637433A0}" type="datetimeFigureOut">
               <a:rPr lang="ru-RU" smtClean="0"/>
               <a:pPr/>
-              <a:t>07.04.2016</a:t>
+              <a:t>08.04.2016</a:t>
             </a:fld>
             <a:endParaRPr lang="ru-RU"/>
           </a:p>
@@ -1082,7 +1108,7 @@
             <a:fld id="{5B106E36-FD25-4E2D-B0AA-010F637433A0}" type="datetimeFigureOut">
               <a:rPr lang="ru-RU" smtClean="0"/>
               <a:pPr/>
-              <a:t>07.04.2016</a:t>
+              <a:t>08.04.2016</a:t>
             </a:fld>
             <a:endParaRPr lang="ru-RU"/>
           </a:p>
@@ -1249,7 +1275,7 @@
             <a:fld id="{5B106E36-FD25-4E2D-B0AA-010F637433A0}" type="datetimeFigureOut">
               <a:rPr lang="ru-RU" smtClean="0"/>
               <a:pPr/>
-              <a:t>07.04.2016</a:t>
+              <a:t>08.04.2016</a:t>
             </a:fld>
             <a:endParaRPr lang="ru-RU"/>
           </a:p>
@@ -1492,7 +1518,7 @@
             <a:fld id="{5B106E36-FD25-4E2D-B0AA-010F637433A0}" type="datetimeFigureOut">
               <a:rPr lang="ru-RU" smtClean="0"/>
               <a:pPr/>
-              <a:t>07.04.2016</a:t>
+              <a:t>08.04.2016</a:t>
             </a:fld>
             <a:endParaRPr lang="ru-RU"/>
           </a:p>
@@ -1777,7 +1803,7 @@
             <a:fld id="{5B106E36-FD25-4E2D-B0AA-010F637433A0}" type="datetimeFigureOut">
               <a:rPr lang="ru-RU" smtClean="0"/>
               <a:pPr/>
-              <a:t>07.04.2016</a:t>
+              <a:t>08.04.2016</a:t>
             </a:fld>
             <a:endParaRPr lang="ru-RU"/>
           </a:p>
@@ -2196,7 +2222,7 @@
             <a:fld id="{5B106E36-FD25-4E2D-B0AA-010F637433A0}" type="datetimeFigureOut">
               <a:rPr lang="ru-RU" smtClean="0"/>
               <a:pPr/>
-              <a:t>07.04.2016</a:t>
+              <a:t>08.04.2016</a:t>
             </a:fld>
             <a:endParaRPr lang="ru-RU"/>
           </a:p>
@@ -2311,7 +2337,7 @@
             <a:fld id="{5B106E36-FD25-4E2D-B0AA-010F637433A0}" type="datetimeFigureOut">
               <a:rPr lang="ru-RU" smtClean="0"/>
               <a:pPr/>
-              <a:t>07.04.2016</a:t>
+              <a:t>08.04.2016</a:t>
             </a:fld>
             <a:endParaRPr lang="ru-RU"/>
           </a:p>
@@ -2403,7 +2429,7 @@
             <a:fld id="{5B106E36-FD25-4E2D-B0AA-010F637433A0}" type="datetimeFigureOut">
               <a:rPr lang="ru-RU" smtClean="0"/>
               <a:pPr/>
-              <a:t>07.04.2016</a:t>
+              <a:t>08.04.2016</a:t>
             </a:fld>
             <a:endParaRPr lang="ru-RU"/>
           </a:p>
@@ -2677,7 +2703,7 @@
             <a:fld id="{5B106E36-FD25-4E2D-B0AA-010F637433A0}" type="datetimeFigureOut">
               <a:rPr lang="ru-RU" smtClean="0"/>
               <a:pPr/>
-              <a:t>07.04.2016</a:t>
+              <a:t>08.04.2016</a:t>
             </a:fld>
             <a:endParaRPr lang="ru-RU"/>
           </a:p>
@@ -2927,7 +2953,7 @@
             <a:fld id="{5B106E36-FD25-4E2D-B0AA-010F637433A0}" type="datetimeFigureOut">
               <a:rPr lang="ru-RU" smtClean="0"/>
               <a:pPr/>
-              <a:t>07.04.2016</a:t>
+              <a:t>08.04.2016</a:t>
             </a:fld>
             <a:endParaRPr lang="ru-RU"/>
           </a:p>
@@ -3137,7 +3163,7 @@
             <a:fld id="{5B106E36-FD25-4E2D-B0AA-010F637433A0}" type="datetimeFigureOut">
               <a:rPr lang="ru-RU" smtClean="0"/>
               <a:pPr/>
-              <a:t>07.04.2016</a:t>
+              <a:t>08.04.2016</a:t>
             </a:fld>
             <a:endParaRPr lang="ru-RU"/>
           </a:p>
@@ -3538,28 +3564,32 @@
       </p:sp>
       <p:pic>
         <p:nvPicPr>
-          <p:cNvPr id="1031" name="Picture 7" descr="C:\Users\Сергей\Desktop\1и.jpg"/>
+          <p:cNvPr id="3" name="Picture 2"/>
           <p:cNvPicPr>
-            <a:picLocks noChangeAspect="1" noChangeArrowheads="1"/>
+            <a:picLocks noChangeAspect="1"/>
           </p:cNvPicPr>
           <p:nvPr/>
         </p:nvPicPr>
         <p:blipFill>
-          <a:blip r:embed="rId2" cstate="print"/>
-          <a:srcRect/>
+          <a:blip r:embed="rId2">
+            <a:extLst>
+              <a:ext uri="{28A0092B-C50C-407E-A947-70E740481C1C}">
+                <a14:useLocalDpi xmlns:a14="http://schemas.microsoft.com/office/drawing/2010/main" val="0"/>
+              </a:ext>
+            </a:extLst>
+          </a:blip>
           <a:stretch>
             <a:fillRect/>
           </a:stretch>
         </p:blipFill>
-        <p:spPr bwMode="auto">
-          <a:xfrm>
-            <a:off x="0" y="1501566"/>
-            <a:ext cx="9143999" cy="5356433"/>
+        <p:spPr>
+          <a:xfrm>
+            <a:off x="0" y="1561171"/>
+            <a:ext cx="9144000" cy="5296829"/>
           </a:xfrm>
           <a:prstGeom prst="rect">
             <a:avLst/>
           </a:prstGeom>
-          <a:noFill/>
         </p:spPr>
       </p:pic>
     </p:spTree>
@@ -3894,7 +3924,7 @@
           <a:blip r:embed="rId2" cstate="print">
             <a:extLst>
               <a:ext uri="{28A0092B-C50C-407E-A947-70E740481C1C}">
-                <a14:useLocalDpi xmlns:a14="http://schemas.microsoft.com/office/drawing/2010/main" xmlns="" val="0"/>
+                <a14:useLocalDpi xmlns:a14="http://schemas.microsoft.com/office/drawing/2010/main" val="0"/>
               </a:ext>
             </a:extLst>
           </a:blip>
@@ -4160,7 +4190,7 @@
           <a:blip r:embed="rId2" cstate="print">
             <a:extLst>
               <a:ext uri="{28A0092B-C50C-407E-A947-70E740481C1C}">
-                <a14:useLocalDpi xmlns:a14="http://schemas.microsoft.com/office/drawing/2010/main" xmlns="" val="0"/>
+                <a14:useLocalDpi xmlns:a14="http://schemas.microsoft.com/office/drawing/2010/main" val="0"/>
               </a:ext>
             </a:extLst>
           </a:blip>
@@ -4426,7 +4456,7 @@
           <a:blip r:embed="rId2" cstate="print">
             <a:extLst>
               <a:ext uri="{28A0092B-C50C-407E-A947-70E740481C1C}">
-                <a14:useLocalDpi xmlns:a14="http://schemas.microsoft.com/office/drawing/2010/main" xmlns="" val="0"/>
+                <a14:useLocalDpi xmlns:a14="http://schemas.microsoft.com/office/drawing/2010/main" val="0"/>
               </a:ext>
             </a:extLst>
           </a:blip>
@@ -4692,7 +4722,7 @@
           <a:blip r:embed="rId2" cstate="print">
             <a:extLst>
               <a:ext uri="{28A0092B-C50C-407E-A947-70E740481C1C}">
-                <a14:useLocalDpi xmlns:a14="http://schemas.microsoft.com/office/drawing/2010/main" xmlns="" val="0"/>
+                <a14:useLocalDpi xmlns:a14="http://schemas.microsoft.com/office/drawing/2010/main" val="0"/>
               </a:ext>
             </a:extLst>
           </a:blip>
@@ -5162,7 +5192,7 @@
           <a:blip r:embed="rId3" cstate="print">
             <a:extLst>
               <a:ext uri="{28A0092B-C50C-407E-A947-70E740481C1C}">
-                <a14:useLocalDpi xmlns:a14="http://schemas.microsoft.com/office/drawing/2010/main" xmlns="" val="0"/>
+                <a14:useLocalDpi xmlns:a14="http://schemas.microsoft.com/office/drawing/2010/main" val="0"/>
               </a:ext>
             </a:extLst>
           </a:blip>
@@ -5428,7 +5458,7 @@
           <a:blip r:embed="rId3" cstate="print">
             <a:extLst>
               <a:ext uri="{28A0092B-C50C-407E-A947-70E740481C1C}">
-                <a14:useLocalDpi xmlns:a14="http://schemas.microsoft.com/office/drawing/2010/main" xmlns="" val="0"/>
+                <a14:useLocalDpi xmlns:a14="http://schemas.microsoft.com/office/drawing/2010/main" val="0"/>
               </a:ext>
             </a:extLst>
           </a:blip>
@@ -5694,7 +5724,7 @@
           <a:blip r:embed="rId3" cstate="print">
             <a:extLst>
               <a:ext uri="{28A0092B-C50C-407E-A947-70E740481C1C}">
-                <a14:useLocalDpi xmlns:a14="http://schemas.microsoft.com/office/drawing/2010/main" xmlns="" val="0"/>
+                <a14:useLocalDpi xmlns:a14="http://schemas.microsoft.com/office/drawing/2010/main" val="0"/>
               </a:ext>
             </a:extLst>
           </a:blip>
@@ -5960,7 +5990,7 @@
           <a:blip r:embed="rId3" cstate="print">
             <a:extLst>
               <a:ext uri="{28A0092B-C50C-407E-A947-70E740481C1C}">
-                <a14:useLocalDpi xmlns:a14="http://schemas.microsoft.com/office/drawing/2010/main" xmlns="" val="0"/>
+                <a14:useLocalDpi xmlns:a14="http://schemas.microsoft.com/office/drawing/2010/main" val="0"/>
               </a:ext>
             </a:extLst>
           </a:blip>
